--- a/3rd-phase/分布式消息队列2.pptx
+++ b/3rd-phase/分布式消息队列2.pptx
@@ -7,20 +7,22 @@
   <p:sldIdLst>
     <p:sldId id="256" r:id="rId2"/>
     <p:sldId id="257" r:id="rId3"/>
-    <p:sldId id="269" r:id="rId4"/>
-    <p:sldId id="258" r:id="rId5"/>
-    <p:sldId id="259" r:id="rId6"/>
-    <p:sldId id="260" r:id="rId7"/>
-    <p:sldId id="261" r:id="rId8"/>
-    <p:sldId id="262" r:id="rId9"/>
-    <p:sldId id="263" r:id="rId10"/>
-    <p:sldId id="264" r:id="rId11"/>
-    <p:sldId id="265" r:id="rId12"/>
-    <p:sldId id="268" r:id="rId13"/>
-    <p:sldId id="266" r:id="rId14"/>
-    <p:sldId id="267" r:id="rId15"/>
-    <p:sldId id="270" r:id="rId16"/>
-    <p:sldId id="271" r:id="rId17"/>
+    <p:sldId id="273" r:id="rId4"/>
+    <p:sldId id="269" r:id="rId5"/>
+    <p:sldId id="258" r:id="rId6"/>
+    <p:sldId id="259" r:id="rId7"/>
+    <p:sldId id="260" r:id="rId8"/>
+    <p:sldId id="261" r:id="rId9"/>
+    <p:sldId id="262" r:id="rId10"/>
+    <p:sldId id="263" r:id="rId11"/>
+    <p:sldId id="264" r:id="rId12"/>
+    <p:sldId id="265" r:id="rId13"/>
+    <p:sldId id="268" r:id="rId14"/>
+    <p:sldId id="266" r:id="rId15"/>
+    <p:sldId id="267" r:id="rId16"/>
+    <p:sldId id="270" r:id="rId17"/>
+    <p:sldId id="271" r:id="rId18"/>
+    <p:sldId id="272" r:id="rId19"/>
   </p:sldIdLst>
   <p:sldSz cx="9144000" cy="6858000" type="screen4x3"/>
   <p:notesSz cx="6858000" cy="9144000"/>
@@ -14699,6 +14701,242 @@
           <a:lstStyle/>
           <a:p>
             <a:r>
+              <a:rPr lang="en-US" altLang="zh-CN" dirty="0" smtClean="0"/>
+              <a:t>TCP</a:t>
+            </a:r>
+            <a:r>
+              <a:rPr lang="zh-CN" altLang="en-US" dirty="0" smtClean="0"/>
+              <a:t>长连接建立了，</a:t>
+            </a:r>
+            <a:r>
+              <a:rPr lang="en-US" altLang="zh-CN" dirty="0" err="1" smtClean="0"/>
+              <a:t>nsqd</a:t>
+            </a:r>
+            <a:r>
+              <a:rPr lang="zh-CN" altLang="en-US" dirty="0" smtClean="0"/>
+              <a:t>定期向</a:t>
+            </a:r>
+            <a:r>
+              <a:rPr lang="en-US" altLang="zh-CN" dirty="0" err="1" smtClean="0"/>
+              <a:t>nsqlookupd</a:t>
+            </a:r>
+            <a:r>
+              <a:rPr lang="zh-CN" altLang="en-US" dirty="0" smtClean="0"/>
+              <a:t>发送心跳信号</a:t>
+            </a:r>
+            <a:endParaRPr lang="zh-CN" altLang="en-US" dirty="0"/>
+          </a:p>
+        </p:txBody>
+      </p:sp>
+      <p:sp>
+        <p:nvSpPr>
+          <p:cNvPr id="3" name="标题 2"/>
+          <p:cNvSpPr>
+            <a:spLocks noGrp="1"/>
+          </p:cNvSpPr>
+          <p:nvPr>
+            <p:ph type="title"/>
+          </p:nvPr>
+        </p:nvSpPr>
+        <p:spPr/>
+        <p:txBody>
+          <a:bodyPr/>
+          <a:lstStyle/>
+          <a:p>
+            <a:r>
+              <a:rPr lang="zh-CN" altLang="en-US" dirty="0" smtClean="0"/>
+              <a:t>观察</a:t>
+            </a:r>
+            <a:r>
+              <a:rPr lang="en-US" altLang="zh-CN" dirty="0" err="1" smtClean="0"/>
+              <a:t>nsqlookupd</a:t>
+            </a:r>
+            <a:r>
+              <a:rPr lang="zh-CN" altLang="en-US" dirty="0" smtClean="0"/>
+              <a:t>和</a:t>
+            </a:r>
+            <a:r>
+              <a:rPr lang="en-US" altLang="zh-CN" dirty="0" err="1" smtClean="0"/>
+              <a:t>nsqd</a:t>
+            </a:r>
+            <a:endParaRPr lang="zh-CN" altLang="en-US" dirty="0"/>
+          </a:p>
+        </p:txBody>
+      </p:sp>
+      <p:pic>
+        <p:nvPicPr>
+          <p:cNvPr id="4098" name="Picture 2"/>
+          <p:cNvPicPr>
+            <a:picLocks noChangeAspect="1" noChangeArrowheads="1"/>
+          </p:cNvPicPr>
+          <p:nvPr/>
+        </p:nvPicPr>
+        <p:blipFill>
+          <a:blip r:embed="rId2">
+            <a:extLst>
+              <a:ext uri="{28A0092B-C50C-407E-A947-70E740481C1C}">
+                <a14:useLocalDpi xmlns:a14="http://schemas.microsoft.com/office/drawing/2010/main" val="0"/>
+              </a:ext>
+            </a:extLst>
+          </a:blip>
+          <a:srcRect/>
+          <a:stretch>
+            <a:fillRect/>
+          </a:stretch>
+        </p:blipFill>
+        <p:spPr bwMode="auto">
+          <a:xfrm>
+            <a:off x="-18680" y="3717032"/>
+            <a:ext cx="9429750" cy="1619250"/>
+          </a:xfrm>
+          <a:prstGeom prst="rect">
+            <a:avLst/>
+          </a:prstGeom>
+          <a:noFill/>
+          <a:ln>
+            <a:noFill/>
+          </a:ln>
+          <a:effectLst/>
+          <a:extLst>
+            <a:ext uri="{909E8E84-426E-40DD-AFC4-6F175D3DCCD1}">
+              <a14:hiddenFill xmlns:a14="http://schemas.microsoft.com/office/drawing/2010/main">
+                <a:solidFill>
+                  <a:schemeClr val="accent1"/>
+                </a:solidFill>
+              </a14:hiddenFill>
+            </a:ext>
+            <a:ext uri="{91240B29-F687-4F45-9708-019B960494DF}">
+              <a14:hiddenLine xmlns:a14="http://schemas.microsoft.com/office/drawing/2010/main" w="9525">
+                <a:solidFill>
+                  <a:schemeClr val="tx1"/>
+                </a:solidFill>
+                <a:miter lim="800000"/>
+                <a:headEnd/>
+                <a:tailEnd/>
+              </a14:hiddenLine>
+            </a:ext>
+            <a:ext uri="{AF507438-7753-43E0-B8FC-AC1667EBCBE1}">
+              <a14:hiddenEffects xmlns:a14="http://schemas.microsoft.com/office/drawing/2010/main">
+                <a:effectLst>
+                  <a:outerShdw dist="35921" dir="2700000" algn="ctr" rotWithShape="0">
+                    <a:schemeClr val="bg2"/>
+                  </a:outerShdw>
+                </a:effectLst>
+              </a14:hiddenEffects>
+            </a:ext>
+          </a:extLst>
+        </p:spPr>
+      </p:pic>
+      <p:pic>
+        <p:nvPicPr>
+          <p:cNvPr id="4099" name="Picture 3"/>
+          <p:cNvPicPr>
+            <a:picLocks noChangeAspect="1" noChangeArrowheads="1"/>
+          </p:cNvPicPr>
+          <p:nvPr/>
+        </p:nvPicPr>
+        <p:blipFill>
+          <a:blip r:embed="rId3">
+            <a:extLst>
+              <a:ext uri="{28A0092B-C50C-407E-A947-70E740481C1C}">
+                <a14:useLocalDpi xmlns:a14="http://schemas.microsoft.com/office/drawing/2010/main" val="0"/>
+              </a:ext>
+            </a:extLst>
+          </a:blip>
+          <a:srcRect/>
+          <a:stretch>
+            <a:fillRect/>
+          </a:stretch>
+        </p:blipFill>
+        <p:spPr bwMode="auto">
+          <a:xfrm>
+            <a:off x="22995" y="5589240"/>
+            <a:ext cx="6810375" cy="428625"/>
+          </a:xfrm>
+          <a:prstGeom prst="rect">
+            <a:avLst/>
+          </a:prstGeom>
+          <a:noFill/>
+          <a:ln>
+            <a:noFill/>
+          </a:ln>
+          <a:effectLst/>
+          <a:extLst>
+            <a:ext uri="{909E8E84-426E-40DD-AFC4-6F175D3DCCD1}">
+              <a14:hiddenFill xmlns:a14="http://schemas.microsoft.com/office/drawing/2010/main">
+                <a:solidFill>
+                  <a:schemeClr val="accent1"/>
+                </a:solidFill>
+              </a14:hiddenFill>
+            </a:ext>
+            <a:ext uri="{91240B29-F687-4F45-9708-019B960494DF}">
+              <a14:hiddenLine xmlns:a14="http://schemas.microsoft.com/office/drawing/2010/main" w="9525">
+                <a:solidFill>
+                  <a:schemeClr val="tx1"/>
+                </a:solidFill>
+                <a:miter lim="800000"/>
+                <a:headEnd/>
+                <a:tailEnd/>
+              </a14:hiddenLine>
+            </a:ext>
+            <a:ext uri="{AF507438-7753-43E0-B8FC-AC1667EBCBE1}">
+              <a14:hiddenEffects xmlns:a14="http://schemas.microsoft.com/office/drawing/2010/main">
+                <a:effectLst>
+                  <a:outerShdw dist="35921" dir="2700000" algn="ctr" rotWithShape="0">
+                    <a:schemeClr val="bg2"/>
+                  </a:outerShdw>
+                </a:effectLst>
+              </a14:hiddenEffects>
+            </a:ext>
+          </a:extLst>
+        </p:spPr>
+      </p:pic>
+    </p:spTree>
+    <p:extLst>
+      <p:ext uri="{BB962C8B-B14F-4D97-AF65-F5344CB8AC3E}">
+        <p14:creationId xmlns:p14="http://schemas.microsoft.com/office/powerpoint/2010/main" val="3982989346"/>
+      </p:ext>
+    </p:extLst>
+  </p:cSld>
+  <p:clrMapOvr>
+    <a:masterClrMapping/>
+  </p:clrMapOvr>
+</p:sld>
+</file>
+
+<file path=ppt/slides/slide11.xml><?xml version="1.0" encoding="utf-8"?>
+<p:sld xmlns:a="http://schemas.openxmlformats.org/drawingml/2006/main" xmlns:r="http://schemas.openxmlformats.org/officeDocument/2006/relationships" xmlns:p="http://schemas.openxmlformats.org/presentationml/2006/main">
+  <p:cSld>
+    <p:spTree>
+      <p:nvGrpSpPr>
+        <p:cNvPr id="1" name=""/>
+        <p:cNvGrpSpPr/>
+        <p:nvPr/>
+      </p:nvGrpSpPr>
+      <p:grpSpPr>
+        <a:xfrm>
+          <a:off x="0" y="0"/>
+          <a:ext cx="0" cy="0"/>
+          <a:chOff x="0" y="0"/>
+          <a:chExt cx="0" cy="0"/>
+        </a:xfrm>
+      </p:grpSpPr>
+      <p:sp>
+        <p:nvSpPr>
+          <p:cNvPr id="2" name="内容占位符 1"/>
+          <p:cNvSpPr>
+            <a:spLocks noGrp="1"/>
+          </p:cNvSpPr>
+          <p:nvPr>
+            <p:ph idx="1"/>
+          </p:nvPr>
+        </p:nvSpPr>
+        <p:spPr/>
+        <p:txBody>
+          <a:bodyPr/>
+          <a:lstStyle/>
+          <a:p>
+            <a:r>
               <a:rPr lang="zh-CN" altLang="en-US" dirty="0" smtClean="0"/>
               <a:t>消费者在生产者注册后的一次轮询中连接到了</a:t>
             </a:r>
@@ -14901,7 +15139,7 @@
 </p:sld>
 </file>
 
-<file path=ppt/slides/slide11.xml><?xml version="1.0" encoding="utf-8"?>
+<file path=ppt/slides/slide12.xml><?xml version="1.0" encoding="utf-8"?>
 <p:sld xmlns:a="http://schemas.openxmlformats.org/drawingml/2006/main" xmlns:r="http://schemas.openxmlformats.org/officeDocument/2006/relationships" xmlns:p="http://schemas.openxmlformats.org/presentationml/2006/main">
   <p:cSld>
     <p:spTree>
@@ -15077,7 +15315,7 @@
 </p:sld>
 </file>
 
-<file path=ppt/slides/slide12.xml><?xml version="1.0" encoding="utf-8"?>
+<file path=ppt/slides/slide13.xml><?xml version="1.0" encoding="utf-8"?>
 <p:sld xmlns:a="http://schemas.openxmlformats.org/drawingml/2006/main" xmlns:r="http://schemas.openxmlformats.org/officeDocument/2006/relationships" xmlns:p="http://schemas.openxmlformats.org/presentationml/2006/main">
   <p:cSld>
     <p:spTree>
@@ -15149,7 +15387,7 @@
 </p:sld>
 </file>
 
-<file path=ppt/slides/slide13.xml><?xml version="1.0" encoding="utf-8"?>
+<file path=ppt/slides/slide14.xml><?xml version="1.0" encoding="utf-8"?>
 <p:sld xmlns:a="http://schemas.openxmlformats.org/drawingml/2006/main" xmlns:r="http://schemas.openxmlformats.org/officeDocument/2006/relationships" xmlns:p="http://schemas.openxmlformats.org/presentationml/2006/main">
   <p:cSld>
     <p:spTree>
@@ -15309,7 +15547,7 @@
 </p:sld>
 </file>
 
-<file path=ppt/slides/slide14.xml><?xml version="1.0" encoding="utf-8"?>
+<file path=ppt/slides/slide15.xml><?xml version="1.0" encoding="utf-8"?>
 <p:sld xmlns:a="http://schemas.openxmlformats.org/drawingml/2006/main" xmlns:r="http://schemas.openxmlformats.org/officeDocument/2006/relationships" xmlns:p="http://schemas.openxmlformats.org/presentationml/2006/main">
   <p:cSld>
     <p:spTree>
@@ -15453,7 +15691,7 @@
 </p:sld>
 </file>
 
-<file path=ppt/slides/slide15.xml><?xml version="1.0" encoding="utf-8"?>
+<file path=ppt/slides/slide16.xml><?xml version="1.0" encoding="utf-8"?>
 <p:sld xmlns:a="http://schemas.openxmlformats.org/drawingml/2006/main" xmlns:r="http://schemas.openxmlformats.org/officeDocument/2006/relationships" xmlns:p="http://schemas.openxmlformats.org/presentationml/2006/main">
   <p:cSld>
     <p:spTree>
@@ -15609,7 +15847,7 @@
 </p:sld>
 </file>
 
-<file path=ppt/slides/slide16.xml><?xml version="1.0" encoding="utf-8"?>
+<file path=ppt/slides/slide17.xml><?xml version="1.0" encoding="utf-8"?>
 <p:sld xmlns:a="http://schemas.openxmlformats.org/drawingml/2006/main" xmlns:r="http://schemas.openxmlformats.org/officeDocument/2006/relationships" xmlns:p="http://schemas.openxmlformats.org/presentationml/2006/main">
   <p:cSld>
     <p:spTree>
@@ -15639,7 +15877,7 @@
         <p:spPr/>
         <p:txBody>
           <a:bodyPr>
-            <a:normAutofit lnSpcReduction="10000"/>
+            <a:normAutofit/>
           </a:bodyPr>
           <a:lstStyle/>
           <a:p>
@@ -15693,14 +15931,6 @@
             <a:endParaRPr lang="en-US" altLang="zh-CN" dirty="0" smtClean="0"/>
           </a:p>
           <a:p>
-            <a:r>
-              <a:rPr lang="en-US" altLang="zh-CN" dirty="0" err="1" smtClean="0"/>
-              <a:t>Nsqlookupd</a:t>
-            </a:r>
-            <a:r>
-              <a:rPr lang="zh-CN" altLang="en-US" dirty="0" smtClean="0"/>
-              <a:t>因此成为系统的核心，成为了新的可能的单点，但因其逻辑简单且负载较低、恢复无需任何配置参数，所以总体上降低了系统风险。</a:t>
-            </a:r>
             <a:endParaRPr lang="zh-CN" altLang="en-US" dirty="0"/>
           </a:p>
         </p:txBody>
@@ -15732,6 +15962,144 @@
     <p:extLst>
       <p:ext uri="{BB962C8B-B14F-4D97-AF65-F5344CB8AC3E}">
         <p14:creationId xmlns:p14="http://schemas.microsoft.com/office/powerpoint/2010/main" val="2596384583"/>
+      </p:ext>
+    </p:extLst>
+  </p:cSld>
+  <p:clrMapOvr>
+    <a:masterClrMapping/>
+  </p:clrMapOvr>
+</p:sld>
+</file>
+
+<file path=ppt/slides/slide18.xml><?xml version="1.0" encoding="utf-8"?>
+<p:sld xmlns:a="http://schemas.openxmlformats.org/drawingml/2006/main" xmlns:r="http://schemas.openxmlformats.org/officeDocument/2006/relationships" xmlns:p="http://schemas.openxmlformats.org/presentationml/2006/main">
+  <p:cSld>
+    <p:spTree>
+      <p:nvGrpSpPr>
+        <p:cNvPr id="1" name=""/>
+        <p:cNvGrpSpPr/>
+        <p:nvPr/>
+      </p:nvGrpSpPr>
+      <p:grpSpPr>
+        <a:xfrm>
+          <a:off x="0" y="0"/>
+          <a:ext cx="0" cy="0"/>
+          <a:chOff x="0" y="0"/>
+          <a:chExt cx="0" cy="0"/>
+        </a:xfrm>
+      </p:grpSpPr>
+      <p:sp>
+        <p:nvSpPr>
+          <p:cNvPr id="2" name="内容占位符 1"/>
+          <p:cNvSpPr>
+            <a:spLocks noGrp="1"/>
+          </p:cNvSpPr>
+          <p:nvPr>
+            <p:ph idx="1"/>
+          </p:nvPr>
+        </p:nvSpPr>
+        <p:spPr/>
+        <p:txBody>
+          <a:bodyPr/>
+          <a:lstStyle/>
+          <a:p>
+            <a:r>
+              <a:rPr lang="en-US" altLang="zh-CN" dirty="0" err="1"/>
+              <a:t>Nsqlookupd</a:t>
+            </a:r>
+            <a:r>
+              <a:rPr lang="zh-CN" altLang="en-US" dirty="0"/>
+              <a:t>因此成为系统的核心，成为了新的可能的单点，但因其逻辑简单且负载较低、恢复无需任何配置参数，所以总体上降低了系统风险。</a:t>
+            </a:r>
+            <a:endParaRPr lang="en-US" altLang="zh-CN" dirty="0"/>
+          </a:p>
+          <a:p>
+            <a:r>
+              <a:rPr lang="zh-CN" altLang="en-US" dirty="0"/>
+              <a:t>每个</a:t>
+            </a:r>
+            <a:r>
+              <a:rPr lang="en-US" altLang="zh-CN" dirty="0" err="1"/>
+              <a:t>nsqd</a:t>
+            </a:r>
+            <a:r>
+              <a:rPr lang="zh-CN" altLang="en-US" dirty="0"/>
+              <a:t>实例和</a:t>
+            </a:r>
+            <a:r>
+              <a:rPr lang="zh-CN" altLang="en-US" dirty="0" smtClean="0"/>
+              <a:t>消费者程序都</a:t>
+            </a:r>
+            <a:r>
+              <a:rPr lang="zh-CN" altLang="en-US" dirty="0"/>
+              <a:t>可以同时连接到多个</a:t>
+            </a:r>
+            <a:r>
+              <a:rPr lang="en-US" altLang="zh-CN" dirty="0" err="1" smtClean="0"/>
+              <a:t>nsqlookupd</a:t>
+            </a:r>
+            <a:r>
+              <a:rPr lang="zh-CN" altLang="en-US" dirty="0" smtClean="0"/>
+              <a:t>，一个挂掉时，其他</a:t>
+            </a:r>
+            <a:r>
+              <a:rPr lang="en-US" altLang="zh-CN" dirty="0" err="1" smtClean="0"/>
+              <a:t>nsqlookupd</a:t>
+            </a:r>
+            <a:r>
+              <a:rPr lang="zh-CN" altLang="en-US" dirty="0" smtClean="0"/>
+              <a:t>依然能够提供全部服务。缺点是每个</a:t>
+            </a:r>
+            <a:r>
+              <a:rPr lang="en-US" altLang="zh-CN" dirty="0" err="1" smtClean="0"/>
+              <a:t>nsqd</a:t>
+            </a:r>
+            <a:r>
+              <a:rPr lang="zh-CN" altLang="en-US" dirty="0" smtClean="0"/>
+              <a:t>和消费者启动时都要配置多个</a:t>
+            </a:r>
+            <a:r>
+              <a:rPr lang="en-US" altLang="zh-CN" dirty="0" err="1" smtClean="0"/>
+              <a:t>nsqlookupd</a:t>
+            </a:r>
+            <a:r>
+              <a:rPr lang="zh-CN" altLang="en-US" dirty="0" smtClean="0"/>
+              <a:t>的地址。</a:t>
+            </a:r>
+            <a:endParaRPr lang="en-US" altLang="zh-CN" dirty="0"/>
+          </a:p>
+          <a:p>
+            <a:endParaRPr lang="zh-CN" altLang="en-US" dirty="0"/>
+          </a:p>
+        </p:txBody>
+      </p:sp>
+      <p:sp>
+        <p:nvSpPr>
+          <p:cNvPr id="3" name="标题 2"/>
+          <p:cNvSpPr>
+            <a:spLocks noGrp="1"/>
+          </p:cNvSpPr>
+          <p:nvPr>
+            <p:ph type="title"/>
+          </p:nvPr>
+        </p:nvSpPr>
+        <p:spPr/>
+        <p:txBody>
+          <a:bodyPr/>
+          <a:lstStyle/>
+          <a:p>
+            <a:r>
+              <a:rPr lang="zh-CN" altLang="en-US" dirty="0" smtClean="0"/>
+              <a:t>结论</a:t>
+            </a:r>
+            <a:endParaRPr lang="zh-CN" altLang="en-US" dirty="0"/>
+          </a:p>
+        </p:txBody>
+      </p:sp>
+    </p:spTree>
+    <p:extLst>
+      <p:ext uri="{BB962C8B-B14F-4D97-AF65-F5344CB8AC3E}">
+        <p14:creationId xmlns:p14="http://schemas.microsoft.com/office/powerpoint/2010/main" val="753809610"/>
       </p:ext>
     </p:extLst>
   </p:cSld>
@@ -15910,6 +16278,176 @@
       </p:grpSpPr>
       <p:sp>
         <p:nvSpPr>
+          <p:cNvPr id="2" name="内容占位符 1"/>
+          <p:cNvSpPr>
+            <a:spLocks noGrp="1"/>
+          </p:cNvSpPr>
+          <p:nvPr>
+            <p:ph idx="1"/>
+          </p:nvPr>
+        </p:nvSpPr>
+        <p:spPr/>
+        <p:txBody>
+          <a:bodyPr/>
+          <a:lstStyle/>
+          <a:p>
+            <a:r>
+              <a:rPr lang="zh-CN" altLang="en-US" dirty="0" smtClean="0"/>
+              <a:t>借用</a:t>
+            </a:r>
+            <a:r>
+              <a:rPr lang="en-US" altLang="zh-CN" dirty="0" err="1" smtClean="0">
+                <a:hlinkClick r:id="rId2"/>
+              </a:rPr>
+              <a:t>dubbo</a:t>
+            </a:r>
+            <a:r>
+              <a:rPr lang="zh-CN" altLang="en-US" dirty="0" smtClean="0"/>
+              <a:t>的架构图来展示</a:t>
+            </a:r>
+            <a:endParaRPr lang="en-US" altLang="zh-CN" dirty="0" smtClean="0"/>
+          </a:p>
+          <a:p>
+            <a:r>
+              <a:rPr lang="en-US" altLang="zh-CN" dirty="0" smtClean="0"/>
+              <a:t>Registry – </a:t>
+            </a:r>
+            <a:r>
+              <a:rPr lang="en-US" altLang="zh-CN" dirty="0" err="1" smtClean="0"/>
+              <a:t>nsqlookupd</a:t>
+            </a:r>
+            <a:endParaRPr lang="en-US" altLang="zh-CN" dirty="0" smtClean="0"/>
+          </a:p>
+          <a:p>
+            <a:r>
+              <a:rPr lang="en-US" altLang="zh-CN" dirty="0" smtClean="0"/>
+              <a:t>Consumer – consumer</a:t>
+            </a:r>
+          </a:p>
+          <a:p>
+            <a:r>
+              <a:rPr lang="en-US" altLang="zh-CN" dirty="0" smtClean="0"/>
+              <a:t>Provider – </a:t>
+            </a:r>
+            <a:r>
+              <a:rPr lang="en-US" altLang="zh-CN" dirty="0" err="1" smtClean="0"/>
+              <a:t>nsqd</a:t>
+            </a:r>
+            <a:endParaRPr lang="en-US" altLang="zh-CN" dirty="0" smtClean="0"/>
+          </a:p>
+          <a:p>
+            <a:r>
+              <a:rPr lang="en-US" altLang="zh-CN" dirty="0" smtClean="0"/>
+              <a:t>Monitor – </a:t>
+            </a:r>
+            <a:r>
+              <a:rPr lang="en-US" altLang="zh-CN" dirty="0" err="1" smtClean="0"/>
+              <a:t>nsqadmin</a:t>
+            </a:r>
+            <a:r>
+              <a:rPr lang="zh-CN" altLang="en-US" dirty="0" smtClean="0"/>
+              <a:t>等</a:t>
+            </a:r>
+            <a:endParaRPr lang="zh-CN" altLang="en-US" dirty="0"/>
+          </a:p>
+        </p:txBody>
+      </p:sp>
+      <p:sp>
+        <p:nvSpPr>
+          <p:cNvPr id="3" name="标题 2"/>
+          <p:cNvSpPr>
+            <a:spLocks noGrp="1"/>
+          </p:cNvSpPr>
+          <p:nvPr>
+            <p:ph type="title"/>
+          </p:nvPr>
+        </p:nvSpPr>
+        <p:spPr/>
+        <p:txBody>
+          <a:bodyPr/>
+          <a:lstStyle/>
+          <a:p>
+            <a:r>
+              <a:rPr lang="zh-CN" altLang="en-US" dirty="0" smtClean="0"/>
+              <a:t>图解</a:t>
+            </a:r>
+            <a:endParaRPr lang="zh-CN" altLang="en-US" dirty="0"/>
+          </a:p>
+        </p:txBody>
+      </p:sp>
+      <p:pic>
+        <p:nvPicPr>
+          <p:cNvPr id="1026" name="Picture 2" descr="http://alibaba.github.io/dubbo-doc-static/dubbo-architecture.jpg-version=1&amp;modificationDate=1330892870000.jpg"/>
+          <p:cNvPicPr>
+            <a:picLocks noChangeAspect="1" noChangeArrowheads="1"/>
+          </p:cNvPicPr>
+          <p:nvPr/>
+        </p:nvPicPr>
+        <p:blipFill>
+          <a:blip r:embed="rId3">
+            <a:extLst>
+              <a:ext uri="{28A0092B-C50C-407E-A947-70E740481C1C}">
+                <a14:useLocalDpi xmlns:a14="http://schemas.microsoft.com/office/drawing/2010/main" val="0"/>
+              </a:ext>
+            </a:extLst>
+          </a:blip>
+          <a:srcRect/>
+          <a:stretch>
+            <a:fillRect/>
+          </a:stretch>
+        </p:blipFill>
+        <p:spPr bwMode="auto">
+          <a:xfrm>
+            <a:off x="4211960" y="3429000"/>
+            <a:ext cx="4752528" cy="3168352"/>
+          </a:xfrm>
+          <a:prstGeom prst="rect">
+            <a:avLst/>
+          </a:prstGeom>
+          <a:noFill/>
+          <a:extLst>
+            <a:ext uri="{909E8E84-426E-40DD-AFC4-6F175D3DCCD1}">
+              <a14:hiddenFill xmlns:a14="http://schemas.microsoft.com/office/drawing/2010/main">
+                <a:solidFill>
+                  <a:srgbClr val="FFFFFF"/>
+                </a:solidFill>
+              </a14:hiddenFill>
+            </a:ext>
+          </a:extLst>
+        </p:spPr>
+      </p:pic>
+    </p:spTree>
+    <p:extLst>
+      <p:ext uri="{BB962C8B-B14F-4D97-AF65-F5344CB8AC3E}">
+        <p14:creationId xmlns:p14="http://schemas.microsoft.com/office/powerpoint/2010/main" val="1643670351"/>
+      </p:ext>
+    </p:extLst>
+  </p:cSld>
+  <p:clrMapOvr>
+    <a:masterClrMapping/>
+  </p:clrMapOvr>
+</p:sld>
+</file>
+
+<file path=ppt/slides/slide4.xml><?xml version="1.0" encoding="utf-8"?>
+<p:sld xmlns:a="http://schemas.openxmlformats.org/drawingml/2006/main" xmlns:r="http://schemas.openxmlformats.org/officeDocument/2006/relationships" xmlns:p="http://schemas.openxmlformats.org/presentationml/2006/main">
+  <p:cSld>
+    <p:spTree>
+      <p:nvGrpSpPr>
+        <p:cNvPr id="1" name=""/>
+        <p:cNvGrpSpPr/>
+        <p:nvPr/>
+      </p:nvGrpSpPr>
+      <p:grpSpPr>
+        <a:xfrm>
+          <a:off x="0" y="0"/>
+          <a:ext cx="0" cy="0"/>
+          <a:chOff x="0" y="0"/>
+          <a:chExt cx="0" cy="0"/>
+        </a:xfrm>
+      </p:grpSpPr>
+      <p:sp>
+        <p:nvSpPr>
           <p:cNvPr id="2" name="标题 1"/>
           <p:cNvSpPr>
             <a:spLocks noGrp="1"/>
@@ -15963,7 +16501,7 @@
 </p:sld>
 </file>
 
-<file path=ppt/slides/slide4.xml><?xml version="1.0" encoding="utf-8"?>
+<file path=ppt/slides/slide5.xml><?xml version="1.0" encoding="utf-8"?>
 <p:sld xmlns:a="http://schemas.openxmlformats.org/drawingml/2006/main" xmlns:r="http://schemas.openxmlformats.org/officeDocument/2006/relationships" xmlns:p="http://schemas.openxmlformats.org/presentationml/2006/main">
   <p:cSld>
     <p:spTree>
@@ -16162,7 +16700,7 @@
 </p:sld>
 </file>
 
-<file path=ppt/slides/slide5.xml><?xml version="1.0" encoding="utf-8"?>
+<file path=ppt/slides/slide6.xml><?xml version="1.0" encoding="utf-8"?>
 <p:sld xmlns:a="http://schemas.openxmlformats.org/drawingml/2006/main" xmlns:r="http://schemas.openxmlformats.org/officeDocument/2006/relationships" xmlns:p="http://schemas.openxmlformats.org/presentationml/2006/main">
   <p:cSld>
     <p:spTree>
@@ -16317,7 +16855,7 @@
 </p:sld>
 </file>
 
-<file path=ppt/slides/slide6.xml><?xml version="1.0" encoding="utf-8"?>
+<file path=ppt/slides/slide7.xml><?xml version="1.0" encoding="utf-8"?>
 <p:sld xmlns:a="http://schemas.openxmlformats.org/drawingml/2006/main" xmlns:r="http://schemas.openxmlformats.org/officeDocument/2006/relationships" xmlns:p="http://schemas.openxmlformats.org/presentationml/2006/main">
   <p:cSld>
     <p:spTree>
@@ -16413,7 +16951,7 @@
 </p:sld>
 </file>
 
-<file path=ppt/slides/slide7.xml><?xml version="1.0" encoding="utf-8"?>
+<file path=ppt/slides/slide8.xml><?xml version="1.0" encoding="utf-8"?>
 <p:sld xmlns:a="http://schemas.openxmlformats.org/drawingml/2006/main" xmlns:r="http://schemas.openxmlformats.org/officeDocument/2006/relationships" xmlns:p="http://schemas.openxmlformats.org/presentationml/2006/main">
   <p:cSld>
     <p:spTree>
@@ -16549,159 +17087,6 @@
 </p:sld>
 </file>
 
-<file path=ppt/slides/slide8.xml><?xml version="1.0" encoding="utf-8"?>
-<p:sld xmlns:a="http://schemas.openxmlformats.org/drawingml/2006/main" xmlns:r="http://schemas.openxmlformats.org/officeDocument/2006/relationships" xmlns:p="http://schemas.openxmlformats.org/presentationml/2006/main">
-  <p:cSld>
-    <p:spTree>
-      <p:nvGrpSpPr>
-        <p:cNvPr id="1" name=""/>
-        <p:cNvGrpSpPr/>
-        <p:nvPr/>
-      </p:nvGrpSpPr>
-      <p:grpSpPr>
-        <a:xfrm>
-          <a:off x="0" y="0"/>
-          <a:ext cx="0" cy="0"/>
-          <a:chOff x="0" y="0"/>
-          <a:chExt cx="0" cy="0"/>
-        </a:xfrm>
-      </p:grpSpPr>
-      <p:sp>
-        <p:nvSpPr>
-          <p:cNvPr id="2" name="内容占位符 1"/>
-          <p:cNvSpPr>
-            <a:spLocks noGrp="1"/>
-          </p:cNvSpPr>
-          <p:nvPr>
-            <p:ph idx="1"/>
-          </p:nvPr>
-        </p:nvSpPr>
-        <p:spPr/>
-        <p:txBody>
-          <a:bodyPr/>
-          <a:lstStyle/>
-          <a:p>
-            <a:r>
-              <a:rPr lang="zh-CN" altLang="en-US" dirty="0" smtClean="0"/>
-              <a:t>其中</a:t>
-            </a:r>
-            <a:r>
-              <a:rPr lang="en-US" altLang="zh-CN" dirty="0" err="1" smtClean="0"/>
-              <a:t>lookupd</a:t>
-            </a:r>
-            <a:r>
-              <a:rPr lang="en-US" altLang="zh-CN" dirty="0" smtClean="0"/>
-              <a:t>-</a:t>
-            </a:r>
-            <a:r>
-              <a:rPr lang="en-US" altLang="zh-CN" dirty="0" err="1" smtClean="0"/>
-              <a:t>tcp</a:t>
-            </a:r>
-            <a:r>
-              <a:rPr lang="en-US" altLang="zh-CN" dirty="0" smtClean="0"/>
-              <a:t>-address</a:t>
-            </a:r>
-            <a:r>
-              <a:rPr lang="zh-CN" altLang="en-US" dirty="0" smtClean="0"/>
-              <a:t>很容易理解</a:t>
-            </a:r>
-            <a:endParaRPr lang="en-US" altLang="zh-CN" dirty="0" smtClean="0"/>
-          </a:p>
-          <a:p>
-            <a:r>
-              <a:rPr lang="zh-CN" altLang="en-US" dirty="0" smtClean="0"/>
-              <a:t>而</a:t>
-            </a:r>
-            <a:r>
-              <a:rPr lang="en-US" altLang="zh-CN" dirty="0" smtClean="0"/>
-              <a:t>broadcast-address</a:t>
-            </a:r>
-            <a:r>
-              <a:rPr lang="zh-CN" altLang="en-US" dirty="0" smtClean="0"/>
-              <a:t>指的是向</a:t>
-            </a:r>
-            <a:r>
-              <a:rPr lang="en-US" altLang="zh-CN" dirty="0" err="1" smtClean="0"/>
-              <a:t>nsqlookupd</a:t>
-            </a:r>
-            <a:r>
-              <a:rPr lang="zh-CN" altLang="en-US" dirty="0" smtClean="0"/>
-              <a:t>注册的提供服务的地址，如果不提供，则默认使用</a:t>
-            </a:r>
-            <a:r>
-              <a:rPr lang="en-US" altLang="zh-CN" dirty="0" smtClean="0"/>
-              <a:t>hostname</a:t>
-            </a:r>
-          </a:p>
-          <a:p>
-            <a:r>
-              <a:rPr lang="zh-CN" altLang="en-US" dirty="0" smtClean="0"/>
-              <a:t>在生产环境中，我们一般不使用</a:t>
-            </a:r>
-            <a:r>
-              <a:rPr lang="en-US" altLang="zh-CN" dirty="0" smtClean="0"/>
-              <a:t>hostname</a:t>
-            </a:r>
-            <a:r>
-              <a:rPr lang="zh-CN" altLang="en-US" dirty="0" smtClean="0"/>
-              <a:t>来定位服务器，因此提供该机器的内网</a:t>
-            </a:r>
-            <a:r>
-              <a:rPr lang="en-US" altLang="zh-CN" dirty="0" smtClean="0"/>
-              <a:t>/</a:t>
-            </a:r>
-            <a:r>
-              <a:rPr lang="zh-CN" altLang="en-US" dirty="0" smtClean="0"/>
-              <a:t>外网</a:t>
-            </a:r>
-            <a:r>
-              <a:rPr lang="en-US" altLang="zh-CN" dirty="0" smtClean="0"/>
-              <a:t>IP</a:t>
-            </a:r>
-            <a:r>
-              <a:rPr lang="zh-CN" altLang="en-US" dirty="0" smtClean="0"/>
-              <a:t>是合适的</a:t>
-            </a:r>
-            <a:endParaRPr lang="zh-CN" altLang="en-US" dirty="0"/>
-          </a:p>
-        </p:txBody>
-      </p:sp>
-      <p:sp>
-        <p:nvSpPr>
-          <p:cNvPr id="3" name="标题 2"/>
-          <p:cNvSpPr>
-            <a:spLocks noGrp="1"/>
-          </p:cNvSpPr>
-          <p:nvPr>
-            <p:ph type="title"/>
-          </p:nvPr>
-        </p:nvSpPr>
-        <p:spPr/>
-        <p:txBody>
-          <a:bodyPr/>
-          <a:lstStyle/>
-          <a:p>
-            <a:r>
-              <a:rPr lang="zh-CN" altLang="en-US" dirty="0" smtClean="0"/>
-              <a:t>启动生产者</a:t>
-            </a:r>
-            <a:endParaRPr lang="zh-CN" altLang="en-US" dirty="0"/>
-          </a:p>
-        </p:txBody>
-      </p:sp>
-    </p:spTree>
-    <p:extLst>
-      <p:ext uri="{BB962C8B-B14F-4D97-AF65-F5344CB8AC3E}">
-        <p14:creationId xmlns:p14="http://schemas.microsoft.com/office/powerpoint/2010/main" val="3084982612"/>
-      </p:ext>
-    </p:extLst>
-  </p:cSld>
-  <p:clrMapOvr>
-    <a:masterClrMapping/>
-  </p:clrMapOvr>
-</p:sld>
-</file>
-
 <file path=ppt/slides/slide9.xml><?xml version="1.0" encoding="utf-8"?>
 <p:sld xmlns:a="http://schemas.openxmlformats.org/drawingml/2006/main" xmlns:r="http://schemas.openxmlformats.org/officeDocument/2006/relationships" xmlns:p="http://schemas.openxmlformats.org/presentationml/2006/main">
   <p:cSld>
@@ -16735,20 +17120,43 @@
           <a:lstStyle/>
           <a:p>
             <a:r>
+              <a:rPr lang="zh-CN" altLang="en-US" dirty="0" smtClean="0"/>
+              <a:t>其中</a:t>
+            </a:r>
+            <a:r>
+              <a:rPr lang="en-US" altLang="zh-CN" dirty="0" err="1" smtClean="0"/>
+              <a:t>lookupd</a:t>
+            </a:r>
+            <a:r>
               <a:rPr lang="en-US" altLang="zh-CN" dirty="0" smtClean="0"/>
-              <a:t>TCP</a:t>
+              <a:t>-</a:t>
+            </a:r>
+            <a:r>
+              <a:rPr lang="en-US" altLang="zh-CN" dirty="0" err="1" smtClean="0"/>
+              <a:t>tcp</a:t>
+            </a:r>
+            <a:r>
+              <a:rPr lang="en-US" altLang="zh-CN" dirty="0" smtClean="0"/>
+              <a:t>-address</a:t>
             </a:r>
             <a:r>
               <a:rPr lang="zh-CN" altLang="en-US" dirty="0" smtClean="0"/>
-              <a:t>长连接建立了，</a:t>
-            </a:r>
-            <a:r>
-              <a:rPr lang="en-US" altLang="zh-CN" dirty="0" err="1" smtClean="0"/>
-              <a:t>nsqd</a:t>
-            </a:r>
+              <a:t>很容易理解</a:t>
+            </a:r>
+            <a:endParaRPr lang="en-US" altLang="zh-CN" dirty="0" smtClean="0"/>
+          </a:p>
+          <a:p>
             <a:r>
               <a:rPr lang="zh-CN" altLang="en-US" dirty="0" smtClean="0"/>
-              <a:t>定期向</a:t>
+              <a:t>而</a:t>
+            </a:r>
+            <a:r>
+              <a:rPr lang="en-US" altLang="zh-CN" dirty="0" smtClean="0"/>
+              <a:t>broadcast-address</a:t>
+            </a:r>
+            <a:r>
+              <a:rPr lang="zh-CN" altLang="en-US" dirty="0" smtClean="0"/>
+              <a:t>指的是向</a:t>
             </a:r>
             <a:r>
               <a:rPr lang="en-US" altLang="zh-CN" dirty="0" err="1" smtClean="0"/>
@@ -16756,7 +17164,41 @@
             </a:r>
             <a:r>
               <a:rPr lang="zh-CN" altLang="en-US" dirty="0" smtClean="0"/>
-              <a:t>发送心跳信号</a:t>
+              <a:t>注册的提供服务的地址，如果不提供，则默认使用</a:t>
+            </a:r>
+            <a:r>
+              <a:rPr lang="en-US" altLang="zh-CN" dirty="0" smtClean="0"/>
+              <a:t>hostname</a:t>
+            </a:r>
+          </a:p>
+          <a:p>
+            <a:r>
+              <a:rPr lang="zh-CN" altLang="en-US" dirty="0" smtClean="0"/>
+              <a:t>在生产环境中，我们一般不使用</a:t>
+            </a:r>
+            <a:r>
+              <a:rPr lang="en-US" altLang="zh-CN" dirty="0" smtClean="0"/>
+              <a:t>hostname</a:t>
+            </a:r>
+            <a:r>
+              <a:rPr lang="zh-CN" altLang="en-US" dirty="0" smtClean="0"/>
+              <a:t>来定位服务器，因此提供该机器的内网</a:t>
+            </a:r>
+            <a:r>
+              <a:rPr lang="en-US" altLang="zh-CN" dirty="0" smtClean="0"/>
+              <a:t>/</a:t>
+            </a:r>
+            <a:r>
+              <a:rPr lang="zh-CN" altLang="en-US" dirty="0" smtClean="0"/>
+              <a:t>外网</a:t>
+            </a:r>
+            <a:r>
+              <a:rPr lang="en-US" altLang="zh-CN" dirty="0" smtClean="0"/>
+              <a:t>IP</a:t>
+            </a:r>
+            <a:r>
+              <a:rPr lang="zh-CN" altLang="en-US" dirty="0" smtClean="0"/>
+              <a:t>是合适的</a:t>
             </a:r>
             <a:endParaRPr lang="zh-CN" altLang="en-US" dirty="0"/>
           </a:p>
@@ -16779,156 +17221,16 @@
           <a:p>
             <a:r>
               <a:rPr lang="zh-CN" altLang="en-US" dirty="0" smtClean="0"/>
-              <a:t>观察</a:t>
-            </a:r>
-            <a:r>
-              <a:rPr lang="en-US" altLang="zh-CN" dirty="0" err="1" smtClean="0"/>
-              <a:t>nsqlookupd</a:t>
-            </a:r>
-            <a:r>
-              <a:rPr lang="zh-CN" altLang="en-US" dirty="0" smtClean="0"/>
-              <a:t>和</a:t>
-            </a:r>
-            <a:r>
-              <a:rPr lang="en-US" altLang="zh-CN" dirty="0" err="1" smtClean="0"/>
-              <a:t>nsqd</a:t>
+              <a:t>启动生产者</a:t>
             </a:r>
             <a:endParaRPr lang="zh-CN" altLang="en-US" dirty="0"/>
           </a:p>
         </p:txBody>
       </p:sp>
-      <p:pic>
-        <p:nvPicPr>
-          <p:cNvPr id="4098" name="Picture 2"/>
-          <p:cNvPicPr>
-            <a:picLocks noChangeAspect="1" noChangeArrowheads="1"/>
-          </p:cNvPicPr>
-          <p:nvPr/>
-        </p:nvPicPr>
-        <p:blipFill>
-          <a:blip r:embed="rId2">
-            <a:extLst>
-              <a:ext uri="{28A0092B-C50C-407E-A947-70E740481C1C}">
-                <a14:useLocalDpi xmlns:a14="http://schemas.microsoft.com/office/drawing/2010/main" val="0"/>
-              </a:ext>
-            </a:extLst>
-          </a:blip>
-          <a:srcRect/>
-          <a:stretch>
-            <a:fillRect/>
-          </a:stretch>
-        </p:blipFill>
-        <p:spPr bwMode="auto">
-          <a:xfrm>
-            <a:off x="-18680" y="3717032"/>
-            <a:ext cx="9429750" cy="1619250"/>
-          </a:xfrm>
-          <a:prstGeom prst="rect">
-            <a:avLst/>
-          </a:prstGeom>
-          <a:noFill/>
-          <a:ln>
-            <a:noFill/>
-          </a:ln>
-          <a:effectLst/>
-          <a:extLst>
-            <a:ext uri="{909E8E84-426E-40DD-AFC4-6F175D3DCCD1}">
-              <a14:hiddenFill xmlns:a14="http://schemas.microsoft.com/office/drawing/2010/main">
-                <a:solidFill>
-                  <a:schemeClr val="accent1"/>
-                </a:solidFill>
-              </a14:hiddenFill>
-            </a:ext>
-            <a:ext uri="{91240B29-F687-4F45-9708-019B960494DF}">
-              <a14:hiddenLine xmlns:a14="http://schemas.microsoft.com/office/drawing/2010/main" w="9525">
-                <a:solidFill>
-                  <a:schemeClr val="tx1"/>
-                </a:solidFill>
-                <a:miter lim="800000"/>
-                <a:headEnd/>
-                <a:tailEnd/>
-              </a14:hiddenLine>
-            </a:ext>
-            <a:ext uri="{AF507438-7753-43E0-B8FC-AC1667EBCBE1}">
-              <a14:hiddenEffects xmlns:a14="http://schemas.microsoft.com/office/drawing/2010/main">
-                <a:effectLst>
-                  <a:outerShdw dist="35921" dir="2700000" algn="ctr" rotWithShape="0">
-                    <a:schemeClr val="bg2"/>
-                  </a:outerShdw>
-                </a:effectLst>
-              </a14:hiddenEffects>
-            </a:ext>
-          </a:extLst>
-        </p:spPr>
-      </p:pic>
-      <p:pic>
-        <p:nvPicPr>
-          <p:cNvPr id="4099" name="Picture 3"/>
-          <p:cNvPicPr>
-            <a:picLocks noChangeAspect="1" noChangeArrowheads="1"/>
-          </p:cNvPicPr>
-          <p:nvPr/>
-        </p:nvPicPr>
-        <p:blipFill>
-          <a:blip r:embed="rId3">
-            <a:extLst>
-              <a:ext uri="{28A0092B-C50C-407E-A947-70E740481C1C}">
-                <a14:useLocalDpi xmlns:a14="http://schemas.microsoft.com/office/drawing/2010/main" val="0"/>
-              </a:ext>
-            </a:extLst>
-          </a:blip>
-          <a:srcRect/>
-          <a:stretch>
-            <a:fillRect/>
-          </a:stretch>
-        </p:blipFill>
-        <p:spPr bwMode="auto">
-          <a:xfrm>
-            <a:off x="22995" y="5589240"/>
-            <a:ext cx="6810375" cy="428625"/>
-          </a:xfrm>
-          <a:prstGeom prst="rect">
-            <a:avLst/>
-          </a:prstGeom>
-          <a:noFill/>
-          <a:ln>
-            <a:noFill/>
-          </a:ln>
-          <a:effectLst/>
-          <a:extLst>
-            <a:ext uri="{909E8E84-426E-40DD-AFC4-6F175D3DCCD1}">
-              <a14:hiddenFill xmlns:a14="http://schemas.microsoft.com/office/drawing/2010/main">
-                <a:solidFill>
-                  <a:schemeClr val="accent1"/>
-                </a:solidFill>
-              </a14:hiddenFill>
-            </a:ext>
-            <a:ext uri="{91240B29-F687-4F45-9708-019B960494DF}">
-              <a14:hiddenLine xmlns:a14="http://schemas.microsoft.com/office/drawing/2010/main" w="9525">
-                <a:solidFill>
-                  <a:schemeClr val="tx1"/>
-                </a:solidFill>
-                <a:miter lim="800000"/>
-                <a:headEnd/>
-                <a:tailEnd/>
-              </a14:hiddenLine>
-            </a:ext>
-            <a:ext uri="{AF507438-7753-43E0-B8FC-AC1667EBCBE1}">
-              <a14:hiddenEffects xmlns:a14="http://schemas.microsoft.com/office/drawing/2010/main">
-                <a:effectLst>
-                  <a:outerShdw dist="35921" dir="2700000" algn="ctr" rotWithShape="0">
-                    <a:schemeClr val="bg2"/>
-                  </a:outerShdw>
-                </a:effectLst>
-              </a14:hiddenEffects>
-            </a:ext>
-          </a:extLst>
-        </p:spPr>
-      </p:pic>
     </p:spTree>
     <p:extLst>
       <p:ext uri="{BB962C8B-B14F-4D97-AF65-F5344CB8AC3E}">
-        <p14:creationId xmlns:p14="http://schemas.microsoft.com/office/powerpoint/2010/main" val="3982989346"/>
+        <p14:creationId xmlns:p14="http://schemas.microsoft.com/office/powerpoint/2010/main" val="3084982612"/>
       </p:ext>
     </p:extLst>
   </p:cSld>
